--- a/ethereum/media/March 2020 presentation.pptx
+++ b/ethereum/media/March 2020 presentation.pptx
@@ -202,6 +202,7 @@
 <p1510:revInfo xmlns:a="http://schemas.openxmlformats.org/drawingml/2006/main" xmlns:r="http://schemas.openxmlformats.org/officeDocument/2006/relationships" xmlns:p1510="http://schemas.microsoft.com/office/powerpoint/2015/10/main">
   <p1510:revLst>
     <p1510:client id="{4CEC8402-27E4-5E6E-E4F8-BE49E7C38ABE}" v="10" dt="2020-02-16T17:40:46.693"/>
+    <p1510:client id="{8072EBA9-649B-8E77-59E7-73EEBED95B25}" v="33" dt="2020-02-16T18:24:08.116"/>
     <p1510:client id="{EBA30101-7E34-EE47-FD25-8EE91BB0CC47}" v="38" dt="2020-02-16T16:08:20.642"/>
   </p1510:revLst>
 </p1510:revInfo>
@@ -12285,6 +12286,18 @@
   <p:clrMapOvr>
     <a:masterClrMapping/>
   </p:clrMapOvr>
+  <mc:AlternateContent xmlns:mc="http://schemas.openxmlformats.org/markup-compatibility/2006">
+    <mc:Choice xmlns:p15="http://schemas.microsoft.com/office/powerpoint/2012/main" Requires="p15">
+      <p:transition xmlns:p14="http://schemas.microsoft.com/office/powerpoint/2010/main" spd="slow" p14:dur="2000">
+        <p15:prstTrans prst="fallOver"/>
+      </p:transition>
+    </mc:Choice>
+    <mc:Fallback>
+      <p:transition spd="slow">
+        <p:fade/>
+      </p:transition>
+    </mc:Fallback>
+  </mc:AlternateContent>
 </p:sld>
 </file>
 
@@ -12362,6 +12375,18 @@
   <p:clrMapOvr>
     <a:masterClrMapping/>
   </p:clrMapOvr>
+  <mc:AlternateContent xmlns:mc="http://schemas.openxmlformats.org/markup-compatibility/2006">
+    <mc:Choice xmlns:p15="http://schemas.microsoft.com/office/powerpoint/2012/main" Requires="p15">
+      <p:transition xmlns:p14="http://schemas.microsoft.com/office/powerpoint/2010/main" spd="slow" p14:dur="1250">
+        <p15:prstTrans prst="pageCurlDouble"/>
+      </p:transition>
+    </mc:Choice>
+    <mc:Fallback>
+      <p:transition spd="slow">
+        <p:fade/>
+      </p:transition>
+    </mc:Fallback>
+  </mc:AlternateContent>
 </p:sld>
 </file>
 
@@ -14741,10 +14766,10 @@
       </p:pic>
       <p:sp>
         <p:nvSpPr>
-          <p:cNvPr id="10" name="Rectangle 9">
+          <p:cNvPr id="2" name="Rectangle 1">
             <a:extLst>
               <a:ext uri="{FF2B5EF4-FFF2-40B4-BE49-F238E27FC236}">
-                <a16:creationId xmlns:a16="http://schemas.microsoft.com/office/drawing/2014/main" id="{CF68F540-70D4-4421-9F58-B7DC07DF5994}"/>
+                <a16:creationId xmlns:a16="http://schemas.microsoft.com/office/drawing/2014/main" id="{75401861-3B50-44B0-AC20-0D73AD78CB8A}"/>
               </a:ext>
             </a:extLst>
           </p:cNvPr>
@@ -14753,8 +14778,8 @@
         </p:nvSpPr>
         <p:spPr>
           <a:xfrm>
-            <a:off x="622169" y="867266"/>
-            <a:ext cx="3516198" cy="5103871"/>
+            <a:off x="622168" y="867266"/>
+            <a:ext cx="3718603" cy="5103871"/>
           </a:xfrm>
           <a:prstGeom prst="rect">
             <a:avLst/>
@@ -14784,18 +14809,16 @@
           <a:lstStyle/>
           <a:p>
             <a:r>
-              <a:rPr lang="en-GB" sz="6000" dirty="0">
+              <a:rPr lang="en-GB" sz="5400" dirty="0">
                 <a:solidFill>
                   <a:srgbClr val="002060"/>
                 </a:solidFill>
+                <a:ea typeface="+mn-lt"/>
+                <a:cs typeface="+mn-lt"/>
               </a:rPr>
-              <a:t>What to expect?</a:t>
+              <a:t>What to expect from today's session</a:t>
             </a:r>
-            <a:endParaRPr lang="LID4096" sz="6000" dirty="0">
-              <a:solidFill>
-                <a:srgbClr val="002060"/>
-              </a:solidFill>
-            </a:endParaRPr>
+            <a:endParaRPr lang="en-US" dirty="0"/>
           </a:p>
         </p:txBody>
       </p:sp>
@@ -15778,15 +15801,15 @@
   <p:clrMapOvr>
     <a:masterClrMapping/>
   </p:clrMapOvr>
-  <mc:AlternateContent xmlns:mc="http://schemas.openxmlformats.org/markup-compatibility/2006" xmlns:p14="http://schemas.microsoft.com/office/powerpoint/2010/main">
-    <mc:Choice Requires="p14">
-      <p:transition spd="slow" p14:dur="3400">
-        <p14:reveal/>
+  <mc:AlternateContent xmlns:mc="http://schemas.openxmlformats.org/markup-compatibility/2006">
+    <mc:Choice xmlns:p14="http://schemas.microsoft.com/office/powerpoint/2010/main" Requires="p14">
+      <p:transition spd="slow" p14:dur="1500">
+        <p:wipe dir="d"/>
       </p:transition>
     </mc:Choice>
-    <mc:Fallback xmlns="">
+    <mc:Fallback>
       <p:transition spd="slow">
-        <p:fade/>
+        <p:wipe dir="d"/>
       </p:transition>
     </mc:Fallback>
   </mc:AlternateContent>
